--- a/xsdk-diagram.pptx
+++ b/xsdk-diagram.pptx
@@ -104,6 +104,11 @@
       </a:defRPr>
     </a:lvl9pPr>
   </p:defaultTextStyle>
+  <p:extLst>
+    <p:ext uri="{EFAFB233-063F-42B5-8137-9DF3F51BA10A}">
+      <p15:sldGuideLst xmlns:p15="http://schemas.microsoft.com/office/powerpoint/2012/main"/>
+    </p:ext>
+  </p:extLst>
 </p:presentation>
 </file>
 
@@ -3404,7 +3409,7 @@
         <p:spPr>
           <a:xfrm>
             <a:off x="283626" y="1889147"/>
-            <a:ext cx="1558839" cy="469854"/>
+            <a:ext cx="1721142" cy="518774"/>
           </a:xfrm>
           <a:prstGeom prst="rect">
             <a:avLst/>
@@ -3413,10 +3418,10 @@
       </p:pic>
       <p:pic>
         <p:nvPicPr>
-          <p:cNvPr id="13" name="Picture 12">
-            <a:extLst>
-              <a:ext uri="{FF2B5EF4-FFF2-40B4-BE49-F238E27FC236}">
-                <a16:creationId xmlns:a16="http://schemas.microsoft.com/office/drawing/2014/main" id="{B052E5BE-57F1-DA40-915A-30FD6A744ADE}"/>
+          <p:cNvPr id="3" name="Picture 2">
+            <a:extLst>
+              <a:ext uri="{FF2B5EF4-FFF2-40B4-BE49-F238E27FC236}">
+                <a16:creationId xmlns:a16="http://schemas.microsoft.com/office/drawing/2014/main" id="{AE89D64E-423C-004D-8025-98855FD5BF94}"/>
               </a:ext>
             </a:extLst>
           </p:cNvPr>
@@ -3433,8 +3438,8 @@
         </p:blipFill>
         <p:spPr>
           <a:xfrm>
-            <a:off x="100013" y="2562224"/>
-            <a:ext cx="1508358" cy="905015"/>
+            <a:off x="283626" y="2407921"/>
+            <a:ext cx="1519463" cy="1021079"/>
           </a:xfrm>
           <a:prstGeom prst="rect">
             <a:avLst/>

--- a/xsdk-diagram.pptx
+++ b/xsdk-diagram.pptx
@@ -6,6 +6,7 @@
   </p:sldMasterIdLst>
   <p:sldIdLst>
     <p:sldId id="256" r:id="rId2"/>
+    <p:sldId id="257" r:id="rId3"/>
   </p:sldIdLst>
   <p:sldSz cx="12192000" cy="6858000"/>
   <p:notesSz cx="6858000" cy="9144000"/>
@@ -3328,10 +3329,10 @@
       </p:grpSpPr>
       <p:pic>
         <p:nvPicPr>
-          <p:cNvPr id="5" name="Picture 4">
-            <a:extLst>
-              <a:ext uri="{FF2B5EF4-FFF2-40B4-BE49-F238E27FC236}">
-                <a16:creationId xmlns:a16="http://schemas.microsoft.com/office/drawing/2014/main" id="{5BC2C194-6CAD-9549-BB45-E0B9E24CF170}"/>
+          <p:cNvPr id="9" name="Picture 8" descr="A close up of a logo&#10;&#10;Description automatically generated">
+            <a:extLst>
+              <a:ext uri="{FF2B5EF4-FFF2-40B4-BE49-F238E27FC236}">
+                <a16:creationId xmlns:a16="http://schemas.microsoft.com/office/drawing/2014/main" id="{AE5FD6BC-D61E-3A48-BC4E-CEC27AFACCC6}"/>
               </a:ext>
             </a:extLst>
           </p:cNvPr>
@@ -3348,37 +3349,7 @@
         </p:blipFill>
         <p:spPr>
           <a:xfrm>
-            <a:off x="1960036" y="636679"/>
-            <a:ext cx="10231964" cy="5584641"/>
-          </a:xfrm>
-          <a:prstGeom prst="rect">
-            <a:avLst/>
-          </a:prstGeom>
-        </p:spPr>
-      </p:pic>
-      <p:pic>
-        <p:nvPicPr>
-          <p:cNvPr id="9" name="Picture 8" descr="A close up of a logo&#10;&#10;Description automatically generated">
-            <a:extLst>
-              <a:ext uri="{FF2B5EF4-FFF2-40B4-BE49-F238E27FC236}">
-                <a16:creationId xmlns:a16="http://schemas.microsoft.com/office/drawing/2014/main" id="{AE5FD6BC-D61E-3A48-BC4E-CEC27AFACCC6}"/>
-              </a:ext>
-            </a:extLst>
-          </p:cNvPr>
-          <p:cNvPicPr>
-            <a:picLocks noChangeAspect="1"/>
-          </p:cNvPicPr>
-          <p:nvPr/>
-        </p:nvPicPr>
-        <p:blipFill>
-          <a:blip r:embed="rId3"/>
-          <a:stretch>
-            <a:fillRect/>
-          </a:stretch>
-        </p:blipFill>
-        <p:spPr>
-          <a:xfrm>
-            <a:off x="283626" y="216083"/>
+            <a:off x="108888" y="133147"/>
             <a:ext cx="1868938" cy="1469842"/>
           </a:xfrm>
           <a:prstGeom prst="rect">
@@ -3401,7 +3372,7 @@
           <p:nvPr/>
         </p:nvPicPr>
         <p:blipFill>
-          <a:blip r:embed="rId4"/>
+          <a:blip r:embed="rId3"/>
           <a:stretch>
             <a:fillRect/>
           </a:stretch>
@@ -3431,6 +3402,36 @@
           <p:nvPr/>
         </p:nvPicPr>
         <p:blipFill>
+          <a:blip r:embed="rId4"/>
+          <a:stretch>
+            <a:fillRect/>
+          </a:stretch>
+        </p:blipFill>
+        <p:spPr>
+          <a:xfrm>
+            <a:off x="283625" y="2529229"/>
+            <a:ext cx="1519463" cy="1021079"/>
+          </a:xfrm>
+          <a:prstGeom prst="rect">
+            <a:avLst/>
+          </a:prstGeom>
+        </p:spPr>
+      </p:pic>
+      <p:pic>
+        <p:nvPicPr>
+          <p:cNvPr id="4" name="Picture 3">
+            <a:extLst>
+              <a:ext uri="{FF2B5EF4-FFF2-40B4-BE49-F238E27FC236}">
+                <a16:creationId xmlns:a16="http://schemas.microsoft.com/office/drawing/2014/main" id="{0CDCB091-CD33-C34D-94C0-33316867D832}"/>
+              </a:ext>
+            </a:extLst>
+          </p:cNvPr>
+          <p:cNvPicPr>
+            <a:picLocks noChangeAspect="1"/>
+          </p:cNvPicPr>
+          <p:nvPr/>
+        </p:nvPicPr>
+        <p:blipFill>
           <a:blip r:embed="rId5"/>
           <a:stretch>
             <a:fillRect/>
@@ -3438,8 +3439,8 @@
         </p:blipFill>
         <p:spPr>
           <a:xfrm>
-            <a:off x="283626" y="2407921"/>
-            <a:ext cx="1519463" cy="1021079"/>
+            <a:off x="1852570" y="746760"/>
+            <a:ext cx="10339430" cy="5212080"/>
           </a:xfrm>
           <a:prstGeom prst="rect">
             <a:avLst/>
@@ -3450,6 +3451,126 @@
     <p:extLst>
       <p:ext uri="{BB962C8B-B14F-4D97-AF65-F5344CB8AC3E}">
         <p14:creationId xmlns:p14="http://schemas.microsoft.com/office/powerpoint/2010/main" val="3283831499"/>
+      </p:ext>
+    </p:extLst>
+  </p:cSld>
+  <p:clrMapOvr>
+    <a:masterClrMapping/>
+  </p:clrMapOvr>
+</p:sld>
+</file>
+
+<file path=ppt/slides/slide2.xml><?xml version="1.0" encoding="utf-8"?>
+<p:sld xmlns:a="http://schemas.openxmlformats.org/drawingml/2006/main" xmlns:r="http://schemas.openxmlformats.org/officeDocument/2006/relationships" xmlns:p="http://schemas.openxmlformats.org/presentationml/2006/main" show="0">
+  <p:cSld>
+    <p:spTree>
+      <p:nvGrpSpPr>
+        <p:cNvPr id="1" name=""/>
+        <p:cNvGrpSpPr/>
+        <p:nvPr/>
+      </p:nvGrpSpPr>
+      <p:grpSpPr>
+        <a:xfrm>
+          <a:off x="0" y="0"/>
+          <a:ext cx="0" cy="0"/>
+          <a:chOff x="0" y="0"/>
+          <a:chExt cx="0" cy="0"/>
+        </a:xfrm>
+      </p:grpSpPr>
+      <p:pic>
+        <p:nvPicPr>
+          <p:cNvPr id="9" name="Picture 8" descr="A close up of a logo&#10;&#10;Description automatically generated">
+            <a:extLst>
+              <a:ext uri="{FF2B5EF4-FFF2-40B4-BE49-F238E27FC236}">
+                <a16:creationId xmlns:a16="http://schemas.microsoft.com/office/drawing/2014/main" id="{AE5FD6BC-D61E-3A48-BC4E-CEC27AFACCC6}"/>
+              </a:ext>
+            </a:extLst>
+          </p:cNvPr>
+          <p:cNvPicPr>
+            <a:picLocks noChangeAspect="1"/>
+          </p:cNvPicPr>
+          <p:nvPr/>
+        </p:nvPicPr>
+        <p:blipFill>
+          <a:blip r:embed="rId2"/>
+          <a:stretch>
+            <a:fillRect/>
+          </a:stretch>
+        </p:blipFill>
+        <p:spPr>
+          <a:xfrm>
+            <a:off x="182942" y="114483"/>
+            <a:ext cx="1868938" cy="1469842"/>
+          </a:xfrm>
+          <a:prstGeom prst="rect">
+            <a:avLst/>
+          </a:prstGeom>
+        </p:spPr>
+      </p:pic>
+      <p:pic>
+        <p:nvPicPr>
+          <p:cNvPr id="11" name="Picture 10" descr="A picture containing clipart&#10;&#10;Description automatically generated">
+            <a:extLst>
+              <a:ext uri="{FF2B5EF4-FFF2-40B4-BE49-F238E27FC236}">
+                <a16:creationId xmlns:a16="http://schemas.microsoft.com/office/drawing/2014/main" id="{C2296187-62CF-054B-A8CF-F0ABBC912DA8}"/>
+              </a:ext>
+            </a:extLst>
+          </p:cNvPr>
+          <p:cNvPicPr>
+            <a:picLocks noChangeAspect="1"/>
+          </p:cNvPicPr>
+          <p:nvPr/>
+        </p:nvPicPr>
+        <p:blipFill>
+          <a:blip r:embed="rId3"/>
+          <a:stretch>
+            <a:fillRect/>
+          </a:stretch>
+        </p:blipFill>
+        <p:spPr>
+          <a:xfrm>
+            <a:off x="182942" y="1884304"/>
+            <a:ext cx="1721142" cy="518774"/>
+          </a:xfrm>
+          <a:prstGeom prst="rect">
+            <a:avLst/>
+          </a:prstGeom>
+        </p:spPr>
+      </p:pic>
+      <p:pic>
+        <p:nvPicPr>
+          <p:cNvPr id="4" name="Picture 3">
+            <a:extLst>
+              <a:ext uri="{FF2B5EF4-FFF2-40B4-BE49-F238E27FC236}">
+                <a16:creationId xmlns:a16="http://schemas.microsoft.com/office/drawing/2014/main" id="{006210AA-EEFC-CF40-9325-D7D9AAFA52F7}"/>
+              </a:ext>
+            </a:extLst>
+          </p:cNvPr>
+          <p:cNvPicPr>
+            <a:picLocks noChangeAspect="1"/>
+          </p:cNvPicPr>
+          <p:nvPr/>
+        </p:nvPicPr>
+        <p:blipFill>
+          <a:blip r:embed="rId4"/>
+          <a:stretch>
+            <a:fillRect/>
+          </a:stretch>
+        </p:blipFill>
+        <p:spPr>
+          <a:xfrm>
+            <a:off x="1904084" y="1439002"/>
+            <a:ext cx="10218678" cy="4233996"/>
+          </a:xfrm>
+          <a:prstGeom prst="rect">
+            <a:avLst/>
+          </a:prstGeom>
+        </p:spPr>
+      </p:pic>
+    </p:spTree>
+    <p:extLst>
+      <p:ext uri="{BB962C8B-B14F-4D97-AF65-F5344CB8AC3E}">
+        <p14:creationId xmlns:p14="http://schemas.microsoft.com/office/powerpoint/2010/main" val="1573054261"/>
       </p:ext>
     </p:extLst>
   </p:cSld>
